--- a/images/software.pptx
+++ b/images/software.pptx
@@ -1043,10 +1043,6 @@
         <a:bodyPr/>
         <a:lstStyle/>
         <a:p>
-          <a:r>
-            <a:rPr lang="en-US" smtClean="0"/>
-            <a:t>Collaborate</a:t>
-          </a:r>
           <a:endParaRPr lang="en-US" dirty="0"/>
         </a:p>
       </dgm:t>
@@ -1080,10 +1076,6 @@
         <a:bodyPr/>
         <a:lstStyle/>
         <a:p>
-          <a:r>
-            <a:rPr lang="en-US" dirty="0" smtClean="0"/>
-            <a:t>Extend</a:t>
-          </a:r>
           <a:endParaRPr lang="en-US" dirty="0"/>
         </a:p>
       </dgm:t>
@@ -1117,10 +1109,6 @@
         <a:bodyPr/>
         <a:lstStyle/>
         <a:p>
-          <a:r>
-            <a:rPr lang="en-US" dirty="0" smtClean="0"/>
-            <a:t>Apply</a:t>
-          </a:r>
           <a:endParaRPr lang="en-US" dirty="0"/>
         </a:p>
       </dgm:t>
@@ -1176,10 +1164,24 @@
     <dgm:pt modelId="{0B26A128-549F-48D3-8EFC-3C182A3D950D}" type="pres">
       <dgm:prSet presAssocID="{D1F447CB-B77A-490E-A956-AB8E93FBC904}" presName="gear1srcNode" presStyleLbl="node1" presStyleIdx="0" presStyleCnt="3"/>
       <dgm:spPr/>
+      <dgm:t>
+        <a:bodyPr/>
+        <a:lstStyle/>
+        <a:p>
+          <a:endParaRPr lang="en-US"/>
+        </a:p>
+      </dgm:t>
     </dgm:pt>
     <dgm:pt modelId="{469ACBD3-3DD7-4048-A799-577CBAA5554A}" type="pres">
       <dgm:prSet presAssocID="{D1F447CB-B77A-490E-A956-AB8E93FBC904}" presName="gear1dstNode" presStyleLbl="node1" presStyleIdx="0" presStyleCnt="3"/>
       <dgm:spPr/>
+      <dgm:t>
+        <a:bodyPr/>
+        <a:lstStyle/>
+        <a:p>
+          <a:endParaRPr lang="en-US"/>
+        </a:p>
+      </dgm:t>
     </dgm:pt>
     <dgm:pt modelId="{F2693010-0216-45DF-8785-AFB10661A94A}" type="pres">
       <dgm:prSet presAssocID="{D8549987-25F7-4128-8B17-EAC4454C66F8}" presName="gear2" presStyleLbl="node1" presStyleIdx="1" presStyleCnt="3">
@@ -1200,10 +1202,24 @@
     <dgm:pt modelId="{9B550FF0-0166-4B5C-9E78-4452EEFF1B11}" type="pres">
       <dgm:prSet presAssocID="{D8549987-25F7-4128-8B17-EAC4454C66F8}" presName="gear2srcNode" presStyleLbl="node1" presStyleIdx="1" presStyleCnt="3"/>
       <dgm:spPr/>
+      <dgm:t>
+        <a:bodyPr/>
+        <a:lstStyle/>
+        <a:p>
+          <a:endParaRPr lang="en-US"/>
+        </a:p>
+      </dgm:t>
     </dgm:pt>
     <dgm:pt modelId="{91A06424-7E32-41B7-B3C3-537D312776E3}" type="pres">
       <dgm:prSet presAssocID="{D8549987-25F7-4128-8B17-EAC4454C66F8}" presName="gear2dstNode" presStyleLbl="node1" presStyleIdx="1" presStyleCnt="3"/>
       <dgm:spPr/>
+      <dgm:t>
+        <a:bodyPr/>
+        <a:lstStyle/>
+        <a:p>
+          <a:endParaRPr lang="en-US"/>
+        </a:p>
+      </dgm:t>
     </dgm:pt>
     <dgm:pt modelId="{4A7C6160-4E55-4CB9-B588-6F14411A3678}" type="pres">
       <dgm:prSet presAssocID="{3FB9F3A1-96BF-42ED-B69E-1E19F0DE9F70}" presName="gear3" presStyleLbl="node1" presStyleIdx="2" presStyleCnt="3"/>
@@ -1235,41 +1251,76 @@
     <dgm:pt modelId="{15C84DA2-96FC-4A1C-B501-13D7865D1EBE}" type="pres">
       <dgm:prSet presAssocID="{3FB9F3A1-96BF-42ED-B69E-1E19F0DE9F70}" presName="gear3srcNode" presStyleLbl="node1" presStyleIdx="2" presStyleCnt="3"/>
       <dgm:spPr/>
+      <dgm:t>
+        <a:bodyPr/>
+        <a:lstStyle/>
+        <a:p>
+          <a:endParaRPr lang="en-US"/>
+        </a:p>
+      </dgm:t>
     </dgm:pt>
     <dgm:pt modelId="{353339A6-876D-44F1-A0FF-59DDC7BEB382}" type="pres">
       <dgm:prSet presAssocID="{3FB9F3A1-96BF-42ED-B69E-1E19F0DE9F70}" presName="gear3dstNode" presStyleLbl="node1" presStyleIdx="2" presStyleCnt="3"/>
       <dgm:spPr/>
+      <dgm:t>
+        <a:bodyPr/>
+        <a:lstStyle/>
+        <a:p>
+          <a:endParaRPr lang="en-US"/>
+        </a:p>
+      </dgm:t>
     </dgm:pt>
     <dgm:pt modelId="{6CADAE7D-62DE-4314-B2AB-0DA638CC750B}" type="pres">
       <dgm:prSet presAssocID="{29A3E7F8-5342-41BA-9B88-4EAA90676F88}" presName="connector1" presStyleLbl="sibTrans2D1" presStyleIdx="0" presStyleCnt="3"/>
       <dgm:spPr/>
+      <dgm:t>
+        <a:bodyPr/>
+        <a:lstStyle/>
+        <a:p>
+          <a:endParaRPr lang="en-US"/>
+        </a:p>
+      </dgm:t>
     </dgm:pt>
     <dgm:pt modelId="{DB4A7881-F38A-493C-BEF5-8BF8ED6A602D}" type="pres">
       <dgm:prSet presAssocID="{58E1135C-0604-4647-95F4-986685E26719}" presName="connector2" presStyleLbl="sibTrans2D1" presStyleIdx="1" presStyleCnt="3"/>
       <dgm:spPr/>
+      <dgm:t>
+        <a:bodyPr/>
+        <a:lstStyle/>
+        <a:p>
+          <a:endParaRPr lang="en-US"/>
+        </a:p>
+      </dgm:t>
     </dgm:pt>
     <dgm:pt modelId="{4019BF74-FC31-4D95-AC4E-395151677268}" type="pres">
       <dgm:prSet presAssocID="{21C9E9B9-078A-404A-848C-B689D5B6B100}" presName="connector3" presStyleLbl="sibTrans2D1" presStyleIdx="2" presStyleCnt="3"/>
       <dgm:spPr/>
+      <dgm:t>
+        <a:bodyPr/>
+        <a:lstStyle/>
+        <a:p>
+          <a:endParaRPr lang="en-US"/>
+        </a:p>
+      </dgm:t>
     </dgm:pt>
   </dgm:ptLst>
   <dgm:cxnLst>
     <dgm:cxn modelId="{AD08FF0E-EFD6-49D2-8678-93957F19E4DA}" type="presOf" srcId="{D8549987-25F7-4128-8B17-EAC4454C66F8}" destId="{9B550FF0-0166-4B5C-9E78-4452EEFF1B11}" srcOrd="1" destOrd="0" presId="urn:microsoft.com/office/officeart/2005/8/layout/gear1"/>
     <dgm:cxn modelId="{9D5778F9-27CC-4DA6-BC71-9AD266D6A1E8}" type="presOf" srcId="{3FB9F3A1-96BF-42ED-B69E-1E19F0DE9F70}" destId="{15C84DA2-96FC-4A1C-B501-13D7865D1EBE}" srcOrd="2" destOrd="0" presId="urn:microsoft.com/office/officeart/2005/8/layout/gear1"/>
+    <dgm:cxn modelId="{ECE56039-A9EF-4E0B-9038-3C43DE998E0C}" type="presOf" srcId="{21C9E9B9-078A-404A-848C-B689D5B6B100}" destId="{4019BF74-FC31-4D95-AC4E-395151677268}" srcOrd="0" destOrd="0" presId="urn:microsoft.com/office/officeart/2005/8/layout/gear1"/>
     <dgm:cxn modelId="{711C86D3-33BE-456F-9D32-4D78E40DE545}" type="presOf" srcId="{D1F447CB-B77A-490E-A956-AB8E93FBC904}" destId="{469ACBD3-3DD7-4048-A799-577CBAA5554A}" srcOrd="2" destOrd="0" presId="urn:microsoft.com/office/officeart/2005/8/layout/gear1"/>
-    <dgm:cxn modelId="{ECE56039-A9EF-4E0B-9038-3C43DE998E0C}" type="presOf" srcId="{21C9E9B9-078A-404A-848C-B689D5B6B100}" destId="{4019BF74-FC31-4D95-AC4E-395151677268}" srcOrd="0" destOrd="0" presId="urn:microsoft.com/office/officeart/2005/8/layout/gear1"/>
     <dgm:cxn modelId="{95E26C2D-CB91-4C2B-98CE-A8C75587075E}" srcId="{CFC4ABC4-BE64-42D8-A408-BEDE7BC2B14F}" destId="{3FB9F3A1-96BF-42ED-B69E-1E19F0DE9F70}" srcOrd="2" destOrd="0" parTransId="{9CB3647E-5469-405D-8C90-3D180246834F}" sibTransId="{21C9E9B9-078A-404A-848C-B689D5B6B100}"/>
     <dgm:cxn modelId="{EE89CB8F-F8A2-4D0D-9614-D303E4EFFD14}" srcId="{CFC4ABC4-BE64-42D8-A408-BEDE7BC2B14F}" destId="{D8549987-25F7-4128-8B17-EAC4454C66F8}" srcOrd="1" destOrd="0" parTransId="{B2D0FE20-763F-40BA-BC29-BF75CE809C9B}" sibTransId="{58E1135C-0604-4647-95F4-986685E26719}"/>
     <dgm:cxn modelId="{50571766-728C-4EA5-AF43-15D5F09D72D8}" srcId="{CFC4ABC4-BE64-42D8-A408-BEDE7BC2B14F}" destId="{D1F447CB-B77A-490E-A956-AB8E93FBC904}" srcOrd="0" destOrd="0" parTransId="{7EE4818F-9AFA-4F14-9F9B-9DAEF994FECB}" sibTransId="{29A3E7F8-5342-41BA-9B88-4EAA90676F88}"/>
     <dgm:cxn modelId="{BD83D2E4-C869-4C97-A4D4-8A5DFA1C5BC2}" type="presOf" srcId="{D1F447CB-B77A-490E-A956-AB8E93FBC904}" destId="{0B26A128-549F-48D3-8EFC-3C182A3D950D}" srcOrd="1" destOrd="0" presId="urn:microsoft.com/office/officeart/2005/8/layout/gear1"/>
+    <dgm:cxn modelId="{177B99C3-0EAC-4BB3-A3E4-358418B0B470}" type="presOf" srcId="{D8549987-25F7-4128-8B17-EAC4454C66F8}" destId="{F2693010-0216-45DF-8785-AFB10661A94A}" srcOrd="0" destOrd="0" presId="urn:microsoft.com/office/officeart/2005/8/layout/gear1"/>
     <dgm:cxn modelId="{6E7210B4-9784-4D9F-AC12-39CC9AB852FD}" type="presOf" srcId="{3FB9F3A1-96BF-42ED-B69E-1E19F0DE9F70}" destId="{353339A6-876D-44F1-A0FF-59DDC7BEB382}" srcOrd="3" destOrd="0" presId="urn:microsoft.com/office/officeart/2005/8/layout/gear1"/>
-    <dgm:cxn modelId="{177B99C3-0EAC-4BB3-A3E4-358418B0B470}" type="presOf" srcId="{D8549987-25F7-4128-8B17-EAC4454C66F8}" destId="{F2693010-0216-45DF-8785-AFB10661A94A}" srcOrd="0" destOrd="0" presId="urn:microsoft.com/office/officeart/2005/8/layout/gear1"/>
     <dgm:cxn modelId="{40526ED8-1CA4-4BD4-8D70-436F5B4E0860}" type="presOf" srcId="{3FB9F3A1-96BF-42ED-B69E-1E19F0DE9F70}" destId="{E74D8AC2-3427-4FE1-B193-4A6243200A57}" srcOrd="1" destOrd="0" presId="urn:microsoft.com/office/officeart/2005/8/layout/gear1"/>
     <dgm:cxn modelId="{E39AC5A0-186E-4C2C-8F48-FECD5AB0F43D}" type="presOf" srcId="{CFC4ABC4-BE64-42D8-A408-BEDE7BC2B14F}" destId="{3498CEF2-5CC5-4F70-A7E0-F3E84BDCCE69}" srcOrd="0" destOrd="0" presId="urn:microsoft.com/office/officeart/2005/8/layout/gear1"/>
     <dgm:cxn modelId="{06430046-8F1B-4F62-8910-16953DDE9861}" type="presOf" srcId="{29A3E7F8-5342-41BA-9B88-4EAA90676F88}" destId="{6CADAE7D-62DE-4314-B2AB-0DA638CC750B}" srcOrd="0" destOrd="0" presId="urn:microsoft.com/office/officeart/2005/8/layout/gear1"/>
-    <dgm:cxn modelId="{2C1D43BF-49DA-460A-934F-B6959045236A}" type="presOf" srcId="{58E1135C-0604-4647-95F4-986685E26719}" destId="{DB4A7881-F38A-493C-BEF5-8BF8ED6A602D}" srcOrd="0" destOrd="0" presId="urn:microsoft.com/office/officeart/2005/8/layout/gear1"/>
     <dgm:cxn modelId="{FE594F15-F775-4BF7-BDF7-3AD45616EC15}" type="presOf" srcId="{3FB9F3A1-96BF-42ED-B69E-1E19F0DE9F70}" destId="{4A7C6160-4E55-4CB9-B588-6F14411A3678}" srcOrd="0" destOrd="0" presId="urn:microsoft.com/office/officeart/2005/8/layout/gear1"/>
     <dgm:cxn modelId="{E37275D3-E87B-4EE1-B51E-4D04D4957595}" type="presOf" srcId="{D8549987-25F7-4128-8B17-EAC4454C66F8}" destId="{91A06424-7E32-41B7-B3C3-537D312776E3}" srcOrd="2" destOrd="0" presId="urn:microsoft.com/office/officeart/2005/8/layout/gear1"/>
+    <dgm:cxn modelId="{2C1D43BF-49DA-460A-934F-B6959045236A}" type="presOf" srcId="{58E1135C-0604-4647-95F4-986685E26719}" destId="{DB4A7881-F38A-493C-BEF5-8BF8ED6A602D}" srcOrd="0" destOrd="0" presId="urn:microsoft.com/office/officeart/2005/8/layout/gear1"/>
     <dgm:cxn modelId="{3D120042-E51C-4AD8-8FCE-885605AC4E0B}" type="presOf" srcId="{D1F447CB-B77A-490E-A956-AB8E93FBC904}" destId="{D9CE0026-1BAB-40CA-BD48-62951D44E438}" srcOrd="0" destOrd="0" presId="urn:microsoft.com/office/officeart/2005/8/layout/gear1"/>
     <dgm:cxn modelId="{CCAD2CCD-D13A-45AD-9031-2FAC208228F5}" type="presParOf" srcId="{3498CEF2-5CC5-4F70-A7E0-F3E84BDCCE69}" destId="{D9CE0026-1BAB-40CA-BD48-62951D44E438}" srcOrd="0" destOrd="0" presId="urn:microsoft.com/office/officeart/2005/8/layout/gear1"/>
     <dgm:cxn modelId="{5FD94868-A597-4040-99F1-457B952BEA4E}" type="presParOf" srcId="{3498CEF2-5CC5-4F70-A7E0-F3E84BDCCE69}" destId="{0B26A128-549F-48D3-8EFC-3C182A3D950D}" srcOrd="1" destOrd="0" presId="urn:microsoft.com/office/officeart/2005/8/layout/gear1"/>
@@ -1388,12 +1439,12 @@
         </a:fontRef>
       </dsp:style>
       <dsp:txBody>
-        <a:bodyPr spcFirstLastPara="0" vert="horz" wrap="square" lIns="48260" tIns="48260" rIns="48260" bIns="48260" numCol="1" spcCol="1270" anchor="ctr" anchorCtr="0">
+        <a:bodyPr spcFirstLastPara="0" vert="horz" wrap="square" lIns="82550" tIns="82550" rIns="82550" bIns="82550" numCol="1" spcCol="1270" anchor="ctr" anchorCtr="0">
           <a:noAutofit/>
         </a:bodyPr>
         <a:lstStyle/>
         <a:p>
-          <a:pPr lvl="0" algn="ctr" defTabSz="1689100">
+          <a:pPr lvl="0" algn="ctr" defTabSz="2889250">
             <a:lnSpc>
               <a:spcPct val="90000"/>
             </a:lnSpc>
@@ -1404,11 +1455,7 @@
               <a:spcPct val="35000"/>
             </a:spcAft>
           </a:pPr>
-          <a:r>
-            <a:rPr lang="en-US" sz="3800" kern="1200" smtClean="0"/>
-            <a:t>Collaborate</a:t>
-          </a:r>
-          <a:endParaRPr lang="en-US" sz="3800" kern="1200" dirty="0"/>
+          <a:endParaRPr lang="en-US" sz="6500" kern="1200" dirty="0"/>
         </a:p>
       </dsp:txBody>
       <dsp:txXfrm>
@@ -1501,12 +1548,12 @@
         </a:fontRef>
       </dsp:style>
       <dsp:txBody>
-        <a:bodyPr spcFirstLastPara="0" vert="horz" wrap="square" lIns="48260" tIns="48260" rIns="48260" bIns="48260" numCol="1" spcCol="1270" anchor="ctr" anchorCtr="0">
+        <a:bodyPr spcFirstLastPara="0" vert="horz" wrap="square" lIns="82550" tIns="82550" rIns="82550" bIns="82550" numCol="1" spcCol="1270" anchor="ctr" anchorCtr="0">
           <a:noAutofit/>
         </a:bodyPr>
         <a:lstStyle/>
         <a:p>
-          <a:pPr lvl="0" algn="ctr" defTabSz="1689100">
+          <a:pPr lvl="0" algn="ctr" defTabSz="2889250">
             <a:lnSpc>
               <a:spcPct val="90000"/>
             </a:lnSpc>
@@ -1517,11 +1564,7 @@
               <a:spcPct val="35000"/>
             </a:spcAft>
           </a:pPr>
-          <a:r>
-            <a:rPr lang="en-US" sz="3800" kern="1200" dirty="0" smtClean="0"/>
-            <a:t>Extend</a:t>
-          </a:r>
-          <a:endParaRPr lang="en-US" sz="3800" kern="1200" dirty="0"/>
+          <a:endParaRPr lang="en-US" sz="6500" kern="1200" dirty="0"/>
         </a:p>
       </dsp:txBody>
       <dsp:txXfrm>
@@ -1614,12 +1657,12 @@
         </a:fontRef>
       </dsp:style>
       <dsp:txBody>
-        <a:bodyPr spcFirstLastPara="0" vert="horz" wrap="square" lIns="48260" tIns="48260" rIns="48260" bIns="48260" numCol="1" spcCol="1270" anchor="ctr" anchorCtr="0">
+        <a:bodyPr spcFirstLastPara="0" vert="horz" wrap="square" lIns="82550" tIns="82550" rIns="82550" bIns="82550" numCol="1" spcCol="1270" anchor="ctr" anchorCtr="0">
           <a:noAutofit/>
         </a:bodyPr>
         <a:lstStyle/>
         <a:p>
-          <a:pPr lvl="0" algn="ctr" defTabSz="1689100">
+          <a:pPr lvl="0" algn="ctr" defTabSz="2889250">
             <a:lnSpc>
               <a:spcPct val="90000"/>
             </a:lnSpc>
@@ -1630,11 +1673,7 @@
               <a:spcPct val="35000"/>
             </a:spcAft>
           </a:pPr>
-          <a:r>
-            <a:rPr lang="en-US" sz="3800" kern="1200" dirty="0" smtClean="0"/>
-            <a:t>Apply</a:t>
-          </a:r>
-          <a:endParaRPr lang="en-US" sz="3800" kern="1200" dirty="0"/>
+          <a:endParaRPr lang="en-US" sz="6500" kern="1200" dirty="0"/>
         </a:p>
       </dsp:txBody>
       <dsp:txXfrm rot="-20700000">
@@ -3508,7 +3547,7 @@
           <a:p>
             <a:fld id="{D7F481C5-31F3-49DE-8EFC-FEAAB7356B04}" type="datetimeFigureOut">
               <a:rPr lang="en-US" smtClean="0"/>
-              <a:t>3/22/2015</a:t>
+              <a:t>5/29/2015</a:t>
             </a:fld>
             <a:endParaRPr lang="en-US"/>
           </a:p>
@@ -4047,7 +4086,7 @@
             <a:fld id="{1D8BD707-D9CF-40AE-B4C6-C98DA3205C09}" type="datetimeFigureOut">
               <a:rPr lang="en-US" smtClean="0"/>
               <a:pPr/>
-              <a:t>3/22/2015</a:t>
+              <a:t>5/29/2015</a:t>
             </a:fld>
             <a:endParaRPr lang="en-US"/>
           </a:p>
@@ -4214,7 +4253,7 @@
             <a:fld id="{1D8BD707-D9CF-40AE-B4C6-C98DA3205C09}" type="datetimeFigureOut">
               <a:rPr lang="en-US" smtClean="0"/>
               <a:pPr/>
-              <a:t>3/22/2015</a:t>
+              <a:t>5/29/2015</a:t>
             </a:fld>
             <a:endParaRPr lang="en-US"/>
           </a:p>
@@ -4391,7 +4430,7 @@
             <a:fld id="{1D8BD707-D9CF-40AE-B4C6-C98DA3205C09}" type="datetimeFigureOut">
               <a:rPr lang="en-US" smtClean="0"/>
               <a:pPr/>
-              <a:t>3/22/2015</a:t>
+              <a:t>5/29/2015</a:t>
             </a:fld>
             <a:endParaRPr lang="en-US"/>
           </a:p>
@@ -4558,7 +4597,7 @@
             <a:fld id="{1D8BD707-D9CF-40AE-B4C6-C98DA3205C09}" type="datetimeFigureOut">
               <a:rPr lang="en-US" smtClean="0"/>
               <a:pPr/>
-              <a:t>3/22/2015</a:t>
+              <a:t>5/29/2015</a:t>
             </a:fld>
             <a:endParaRPr lang="en-US"/>
           </a:p>
@@ -4801,7 +4840,7 @@
             <a:fld id="{1D8BD707-D9CF-40AE-B4C6-C98DA3205C09}" type="datetimeFigureOut">
               <a:rPr lang="en-US" smtClean="0"/>
               <a:pPr/>
-              <a:t>3/22/2015</a:t>
+              <a:t>5/29/2015</a:t>
             </a:fld>
             <a:endParaRPr lang="en-US"/>
           </a:p>
@@ -5086,7 +5125,7 @@
             <a:fld id="{1D8BD707-D9CF-40AE-B4C6-C98DA3205C09}" type="datetimeFigureOut">
               <a:rPr lang="en-US" smtClean="0"/>
               <a:pPr/>
-              <a:t>3/22/2015</a:t>
+              <a:t>5/29/2015</a:t>
             </a:fld>
             <a:endParaRPr lang="en-US"/>
           </a:p>
@@ -5505,7 +5544,7 @@
             <a:fld id="{1D8BD707-D9CF-40AE-B4C6-C98DA3205C09}" type="datetimeFigureOut">
               <a:rPr lang="en-US" smtClean="0"/>
               <a:pPr/>
-              <a:t>3/22/2015</a:t>
+              <a:t>5/29/2015</a:t>
             </a:fld>
             <a:endParaRPr lang="en-US"/>
           </a:p>
@@ -5620,7 +5659,7 @@
             <a:fld id="{1D8BD707-D9CF-40AE-B4C6-C98DA3205C09}" type="datetimeFigureOut">
               <a:rPr lang="en-US" smtClean="0"/>
               <a:pPr/>
-              <a:t>3/22/2015</a:t>
+              <a:t>5/29/2015</a:t>
             </a:fld>
             <a:endParaRPr lang="en-US"/>
           </a:p>
@@ -5712,7 +5751,7 @@
             <a:fld id="{1D8BD707-D9CF-40AE-B4C6-C98DA3205C09}" type="datetimeFigureOut">
               <a:rPr lang="en-US" smtClean="0"/>
               <a:pPr/>
-              <a:t>3/22/2015</a:t>
+              <a:t>5/29/2015</a:t>
             </a:fld>
             <a:endParaRPr lang="en-US"/>
           </a:p>
@@ -5986,7 +6025,7 @@
             <a:fld id="{1D8BD707-D9CF-40AE-B4C6-C98DA3205C09}" type="datetimeFigureOut">
               <a:rPr lang="en-US" smtClean="0"/>
               <a:pPr/>
-              <a:t>3/22/2015</a:t>
+              <a:t>5/29/2015</a:t>
             </a:fld>
             <a:endParaRPr lang="en-US"/>
           </a:p>
@@ -6236,7 +6275,7 @@
             <a:fld id="{1D8BD707-D9CF-40AE-B4C6-C98DA3205C09}" type="datetimeFigureOut">
               <a:rPr lang="en-US" smtClean="0"/>
               <a:pPr/>
-              <a:t>3/22/2015</a:t>
+              <a:t>5/29/2015</a:t>
             </a:fld>
             <a:endParaRPr lang="en-US"/>
           </a:p>
@@ -6446,7 +6485,7 @@
             <a:fld id="{1D8BD707-D9CF-40AE-B4C6-C98DA3205C09}" type="datetimeFigureOut">
               <a:rPr lang="en-US" smtClean="0"/>
               <a:pPr/>
-              <a:t>3/22/2015</a:t>
+              <a:t>5/29/2015</a:t>
             </a:fld>
             <a:endParaRPr lang="en-US"/>
           </a:p>
@@ -6824,7 +6863,7 @@
           <p:nvPr>
             <p:extLst>
               <p:ext uri="{D42A27DB-BD31-4B8C-83A1-F6EECF244321}">
-                <p14:modId xmlns:p14="http://schemas.microsoft.com/office/powerpoint/2010/main" val="2195318565"/>
+                <p14:modId xmlns:p14="http://schemas.microsoft.com/office/powerpoint/2010/main" val="1837155635"/>
               </p:ext>
             </p:extLst>
           </p:nvPr>
